--- a/en/ProgrammingLessons/beginner/scratch-Touch.pptx
+++ b/en/ProgrammingLessons/beginner/scratch-Touch.pptx
@@ -224,7 +224,7 @@
           <a:p>
             <a:fld id="{F8D9B3D7-15CB-9343-AA49-EFB5A8F33F18}" type="datetimeFigureOut">
               <a:rPr lang="en-US" smtClean="0"/>
-              <a:t>12/21/19</a:t>
+              <a:t>12/25/19</a:t>
             </a:fld>
             <a:endParaRPr lang="en-US"/>
           </a:p>
@@ -390,7 +390,7 @@
           <a:p>
             <a:fld id="{FD3EFF1E-85A1-6640-AFB9-C38833E80A84}" type="datetimeFigureOut">
               <a:rPr lang="en-US" smtClean="0"/>
-              <a:t>12/21/19</a:t>
+              <a:t>12/25/19</a:t>
             </a:fld>
             <a:endParaRPr lang="en-US"/>
           </a:p>
@@ -1062,7 +1062,7 @@
           <a:p>
             <a:fld id="{F8BCC695-CB9E-0844-92B2-AFE970044FFA}" type="datetime1">
               <a:rPr lang="en-US" smtClean="0"/>
-              <a:t>12/21/19</a:t>
+              <a:t>12/25/19</a:t>
             </a:fld>
             <a:endParaRPr lang="en-US"/>
           </a:p>
@@ -1431,35 +1431,6 @@
           </a:fontRef>
         </p:style>
       </p:sp>
-      <p:pic>
-        <p:nvPicPr>
-          <p:cNvPr id="19" name="Picture 18" descr="A picture containing drawing&#10;&#10;Description automatically generated">
-            <a:extLst>
-              <a:ext uri="{FF2B5EF4-FFF2-40B4-BE49-F238E27FC236}">
-                <a16:creationId xmlns:a16="http://schemas.microsoft.com/office/drawing/2014/main" id="{C59E024F-57F6-1545-A111-B84AD56EA96C}"/>
-              </a:ext>
-            </a:extLst>
-          </p:cNvPr>
-          <p:cNvPicPr>
-            <a:picLocks noChangeAspect="1"/>
-          </p:cNvPicPr>
-          <p:nvPr userDrawn="1"/>
-        </p:nvPicPr>
-        <p:blipFill rotWithShape="1">
-          <a:blip r:embed="rId2"/>
-          <a:srcRect l="1617" t="7031" r="4033" b="8124"/>
-          <a:stretch/>
-        </p:blipFill>
-        <p:spPr>
-          <a:xfrm>
-            <a:off x="89513" y="25985"/>
-            <a:ext cx="8627349" cy="3250097"/>
-          </a:xfrm>
-          <a:prstGeom prst="rect">
-            <a:avLst/>
-          </a:prstGeom>
-        </p:spPr>
-      </p:pic>
     </p:spTree>
     <p:extLst>
       <p:ext uri="{BB962C8B-B14F-4D97-AF65-F5344CB8AC3E}">
@@ -1580,7 +1551,7 @@
           <a:p>
             <a:fld id="{9AB865BB-7AB9-D342-B2AA-4DF2D006EB69}" type="datetime1">
               <a:rPr lang="en-US" smtClean="0"/>
-              <a:t>12/21/19</a:t>
+              <a:t>12/25/19</a:t>
             </a:fld>
             <a:endParaRPr lang="en-US"/>
           </a:p>
@@ -1769,7 +1740,7 @@
           <a:p>
             <a:fld id="{93733C8C-A4BC-DD4A-AB06-7A859AF47E93}" type="datetime1">
               <a:rPr lang="en-US" smtClean="0"/>
-              <a:t>12/21/19</a:t>
+              <a:t>12/25/19</a:t>
             </a:fld>
             <a:endParaRPr lang="en-US"/>
           </a:p>
@@ -1970,7 +1941,7 @@
           <a:p>
             <a:fld id="{15BBB1CB-AB50-9F4F-8564-179B93498AB9}" type="datetime1">
               <a:rPr lang="en-US" smtClean="0"/>
-              <a:t>12/21/19</a:t>
+              <a:t>12/25/19</a:t>
             </a:fld>
             <a:endParaRPr lang="en-US"/>
           </a:p>
@@ -2141,7 +2112,7 @@
           <a:p>
             <a:fld id="{D7524DC9-618B-BC45-BC5F-A382B4710DBE}" type="datetime1">
               <a:rPr lang="en-US" smtClean="0"/>
-              <a:t>12/21/19</a:t>
+              <a:t>12/25/19</a:t>
             </a:fld>
             <a:endParaRPr lang="en-US"/>
           </a:p>
@@ -2389,7 +2360,7 @@
           <a:p>
             <a:fld id="{8C8E9FC5-74CB-EA4C-8583-04F20BBD5311}" type="datetime1">
               <a:rPr lang="en-US" smtClean="0"/>
-              <a:t>12/21/19</a:t>
+              <a:t>12/25/19</a:t>
             </a:fld>
             <a:endParaRPr lang="en-US"/>
           </a:p>
@@ -2621,7 +2592,7 @@
           <a:p>
             <a:fld id="{6187FF84-2A0C-5348-95F2-F7DD357D606F}" type="datetime1">
               <a:rPr lang="en-US" smtClean="0"/>
-              <a:t>12/21/19</a:t>
+              <a:t>12/25/19</a:t>
             </a:fld>
             <a:endParaRPr lang="en-US"/>
           </a:p>
@@ -2988,7 +2959,7 @@
           <a:p>
             <a:fld id="{94B7A932-E633-1148-BA3D-7A01F728702D}" type="datetime1">
               <a:rPr lang="en-US" smtClean="0"/>
-              <a:t>12/21/19</a:t>
+              <a:t>12/25/19</a:t>
             </a:fld>
             <a:endParaRPr lang="en-US"/>
           </a:p>
@@ -3108,7 +3079,7 @@
           <a:p>
             <a:fld id="{A7B48B9E-26FD-A14C-9601-7B60D76CF896}" type="datetime1">
               <a:rPr lang="en-US" smtClean="0"/>
-              <a:t>12/21/19</a:t>
+              <a:t>12/25/19</a:t>
             </a:fld>
             <a:endParaRPr lang="en-US"/>
           </a:p>
@@ -3206,7 +3177,7 @@
           <a:p>
             <a:fld id="{EE0FF5D8-295E-FE41-9992-277A23D3F313}" type="datetime1">
               <a:rPr lang="en-US" smtClean="0"/>
-              <a:t>12/21/19</a:t>
+              <a:t>12/25/19</a:t>
             </a:fld>
             <a:endParaRPr lang="en-US"/>
           </a:p>
@@ -3484,7 +3455,7 @@
           <a:p>
             <a:fld id="{9EB1A983-3262-2F47-A5DA-4F5F987DF058}" type="datetime1">
               <a:rPr lang="en-US" smtClean="0"/>
-              <a:t>12/21/19</a:t>
+              <a:t>12/25/19</a:t>
             </a:fld>
             <a:endParaRPr lang="en-US"/>
           </a:p>
@@ -3666,7 +3637,7 @@
           <a:p>
             <a:fld id="{6BF7392E-4FF0-7A4B-8E30-7E245CD1538C}" type="datetime1">
               <a:rPr lang="en-US" smtClean="0"/>
-              <a:t>12/21/19</a:t>
+              <a:t>12/25/19</a:t>
             </a:fld>
             <a:endParaRPr lang="en-US"/>
           </a:p>
@@ -3932,7 +3903,7 @@
           <a:p>
             <a:fld id="{B1D7FB48-17A7-6A4C-BE00-709ECF532AFF}" type="datetime1">
               <a:rPr lang="en-US" smtClean="0"/>
-              <a:t>12/21/19</a:t>
+              <a:t>12/25/19</a:t>
             </a:fld>
             <a:endParaRPr lang="en-US"/>
           </a:p>
@@ -4103,7 +4074,7 @@
           <a:p>
             <a:fld id="{A0ACA6CA-8155-A947-909A-BBE7B061125E}" type="datetime1">
               <a:rPr lang="en-US" smtClean="0"/>
-              <a:t>12/21/19</a:t>
+              <a:t>12/25/19</a:t>
             </a:fld>
             <a:endParaRPr lang="en-US"/>
           </a:p>
@@ -4284,7 +4255,7 @@
           <a:p>
             <a:fld id="{76235E56-BDC1-BF44-A543-1F1F1700878E}" type="datetime1">
               <a:rPr lang="en-US" smtClean="0"/>
-              <a:t>12/21/19</a:t>
+              <a:t>12/25/19</a:t>
             </a:fld>
             <a:endParaRPr lang="en-US"/>
           </a:p>
@@ -4541,7 +4512,7 @@
           <a:p>
             <a:fld id="{62B5E9C4-D6C8-744A-9232-223E77277C43}" type="datetime1">
               <a:rPr lang="en-US" smtClean="0"/>
-              <a:t>12/21/19</a:t>
+              <a:t>12/25/19</a:t>
             </a:fld>
             <a:endParaRPr lang="en-US"/>
           </a:p>
@@ -4844,7 +4815,7 @@
           <a:p>
             <a:fld id="{B29F4F29-BF0E-134F-90F2-1C8C01EF50C4}" type="datetime1">
               <a:rPr lang="en-US" smtClean="0"/>
-              <a:t>12/21/19</a:t>
+              <a:t>12/25/19</a:t>
             </a:fld>
             <a:endParaRPr lang="en-US"/>
           </a:p>
@@ -5298,7 +5269,7 @@
           <a:p>
             <a:fld id="{9CCB988D-98A3-F04A-B326-E352E58420C7}" type="datetime1">
               <a:rPr lang="en-US" smtClean="0"/>
-              <a:t>12/21/19</a:t>
+              <a:t>12/25/19</a:t>
             </a:fld>
             <a:endParaRPr lang="en-US"/>
           </a:p>
@@ -5426,7 +5397,7 @@
           <a:p>
             <a:fld id="{6A157908-B004-DC45-AC89-520147C57B3C}" type="datetime1">
               <a:rPr lang="en-US" smtClean="0"/>
-              <a:t>12/21/19</a:t>
+              <a:t>12/25/19</a:t>
             </a:fld>
             <a:endParaRPr lang="en-US"/>
           </a:p>
@@ -5532,7 +5503,7 @@
           <a:p>
             <a:fld id="{17E8D9A4-2DC5-7F42-B685-565A28440C93}" type="datetime1">
               <a:rPr lang="en-US" smtClean="0"/>
-              <a:t>12/21/19</a:t>
+              <a:t>12/25/19</a:t>
             </a:fld>
             <a:endParaRPr lang="en-US"/>
           </a:p>
@@ -5790,7 +5761,7 @@
           <a:p>
             <a:fld id="{6EC201E5-2B7A-C846-B6BD-B7CF910BC5F1}" type="datetime1">
               <a:rPr lang="en-US" smtClean="0"/>
-              <a:t>12/21/19</a:t>
+              <a:t>12/25/19</a:t>
             </a:fld>
             <a:endParaRPr lang="en-US"/>
           </a:p>
@@ -6098,7 +6069,7 @@
           <a:p>
             <a:fld id="{420012A9-4186-534F-B929-3A72534684A4}" type="datetime1">
               <a:rPr lang="en-US" smtClean="0"/>
-              <a:t>12/21/19</a:t>
+              <a:t>12/25/19</a:t>
             </a:fld>
             <a:endParaRPr lang="en-US"/>
           </a:p>
@@ -6408,7 +6379,7 @@
           <a:p>
             <a:fld id="{A803C808-2A17-C243-91A6-E4175B8089FD}" type="datetime1">
               <a:rPr lang="en-US" smtClean="0"/>
-              <a:t>12/21/19</a:t>
+              <a:t>12/25/19</a:t>
             </a:fld>
             <a:endParaRPr lang="en-US"/>
           </a:p>
@@ -7163,7 +7134,7 @@
           <a:p>
             <a:fld id="{9570872D-C66F-CF4F-9199-05A843224AFC}" type="datetime1">
               <a:rPr lang="en-US" smtClean="0"/>
-              <a:t>12/21/19</a:t>
+              <a:t>12/25/19</a:t>
             </a:fld>
             <a:endParaRPr lang="en-US"/>
           </a:p>
@@ -7584,45 +7555,105 @@
         </p:nvSpPr>
         <p:spPr/>
         <p:txBody>
-          <a:bodyPr/>
-          <a:lstStyle/>
-          <a:p>
-            <a:r>
-              <a:rPr lang="en-US" dirty="0"/>
-              <a:t>Touch Sensor</a:t>
-            </a:r>
-          </a:p>
-        </p:txBody>
-      </p:sp>
-      <p:sp>
-        <p:nvSpPr>
-          <p:cNvPr id="3" name="Title 2"/>
-          <p:cNvSpPr>
-            <a:spLocks noGrp="1"/>
-          </p:cNvSpPr>
-          <p:nvPr>
-            <p:ph type="ctrTitle"/>
-          </p:nvPr>
-        </p:nvSpPr>
-        <p:spPr/>
-        <p:txBody>
-          <a:bodyPr/>
-          <a:lstStyle/>
-          <a:p>
-            <a:pPr algn="ctr"/>
-            <a:r>
-              <a:rPr lang="en-US" dirty="0"/>
+          <a:bodyPr>
+            <a:normAutofit/>
+          </a:bodyPr>
+          <a:lstStyle/>
+          <a:p>
+            <a:r>
+              <a:rPr lang="en-US" sz="2400" dirty="0"/>
+              <a:t>EV3 Classroom: Touch Sensor</a:t>
+            </a:r>
+          </a:p>
+        </p:txBody>
+      </p:sp>
+      <p:sp>
+        <p:nvSpPr>
+          <p:cNvPr id="7" name="Title 1">
+            <a:extLst>
+              <a:ext uri="{FF2B5EF4-FFF2-40B4-BE49-F238E27FC236}">
+                <a16:creationId xmlns:a16="http://schemas.microsoft.com/office/drawing/2014/main" id="{FF8D74E0-00A1-EF4B-B34D-7B2AC39492C8}"/>
+              </a:ext>
+            </a:extLst>
+          </p:cNvPr>
+          <p:cNvSpPr txBox="1">
+            <a:spLocks/>
+          </p:cNvSpPr>
+          <p:nvPr/>
+        </p:nvSpPr>
+        <p:spPr>
+          <a:xfrm>
+            <a:off x="4868091" y="272833"/>
+            <a:ext cx="3897684" cy="1598052"/>
+          </a:xfrm>
+          <a:prstGeom prst="rect">
+            <a:avLst/>
+          </a:prstGeom>
+        </p:spPr>
+        <p:txBody>
+          <a:bodyPr vert="horz" lIns="91440" tIns="45720" rIns="91440" bIns="45720" rtlCol="0" anchor="t" anchorCtr="0">
+            <a:noAutofit/>
+          </a:bodyPr>
+          <a:lstStyle>
+            <a:lvl1pPr algn="l" defTabSz="914400" rtl="0" eaLnBrk="1" latinLnBrk="0" hangingPunct="1">
+              <a:spcBef>
+                <a:spcPct val="0"/>
+              </a:spcBef>
+              <a:buNone/>
+              <a:defRPr sz="2800" kern="1200" cap="all" spc="-60" baseline="0">
+                <a:solidFill>
+                  <a:schemeClr val="tx2"/>
+                </a:solidFill>
+                <a:latin typeface="+mj-lt"/>
+                <a:ea typeface="+mj-ea"/>
+                <a:cs typeface="+mj-cs"/>
+              </a:defRPr>
+            </a:lvl1pPr>
+          </a:lstStyle>
+          <a:p>
+            <a:r>
+              <a:rPr lang="en-US" sz="3200"/>
               <a:t>BEGINNER PROGRAMMING LESSON</a:t>
             </a:r>
+            <a:endParaRPr lang="en-US" sz="3200" dirty="0"/>
           </a:p>
         </p:txBody>
       </p:sp>
       <p:pic>
         <p:nvPicPr>
-          <p:cNvPr id="5" name="Picture 4" descr="A close up of a sign&#10;&#10;Description automatically generated">
+          <p:cNvPr id="8" name="Picture 7" descr="A picture containing drawing&#10;&#10;Description automatically generated">
             <a:extLst>
               <a:ext uri="{FF2B5EF4-FFF2-40B4-BE49-F238E27FC236}">
-                <a16:creationId xmlns:a16="http://schemas.microsoft.com/office/drawing/2014/main" id="{33E1C3B4-C92D-514A-8D3B-F5D4D9B04CE6}"/>
+                <a16:creationId xmlns:a16="http://schemas.microsoft.com/office/drawing/2014/main" id="{B0801E09-26E4-7E40-9B13-F64C96D216CA}"/>
+              </a:ext>
+            </a:extLst>
+          </p:cNvPr>
+          <p:cNvPicPr>
+            <a:picLocks noChangeAspect="1"/>
+          </p:cNvPicPr>
+          <p:nvPr/>
+        </p:nvPicPr>
+        <p:blipFill rotWithShape="1">
+          <a:blip r:embed="rId2"/>
+          <a:srcRect l="1617" t="7031" r="4033" b="8124"/>
+          <a:stretch/>
+        </p:blipFill>
+        <p:spPr>
+          <a:xfrm>
+            <a:off x="129863" y="209018"/>
+            <a:ext cx="4442137" cy="1673443"/>
+          </a:xfrm>
+          <a:prstGeom prst="rect">
+            <a:avLst/>
+          </a:prstGeom>
+        </p:spPr>
+      </p:pic>
+      <p:pic>
+        <p:nvPicPr>
+          <p:cNvPr id="9" name="Picture 8" descr="A close up of a sign&#10;&#10;Description automatically generated">
+            <a:extLst>
+              <a:ext uri="{FF2B5EF4-FFF2-40B4-BE49-F238E27FC236}">
+                <a16:creationId xmlns:a16="http://schemas.microsoft.com/office/drawing/2014/main" id="{74E98EF2-C1BE-C54D-9B65-321FABDBEB14}"/>
               </a:ext>
             </a:extLst>
           </p:cNvPr>
@@ -7632,15 +7663,21 @@
           <p:nvPr/>
         </p:nvPicPr>
         <p:blipFill>
-          <a:blip r:embed="rId2"/>
+          <a:blip r:embed="rId3">
+            <a:extLst>
+              <a:ext uri="{28A0092B-C50C-407E-A947-70E740481C1C}">
+                <a14:useLocalDpi xmlns:a14="http://schemas.microsoft.com/office/drawing/2010/main" val="0"/>
+              </a:ext>
+            </a:extLst>
+          </a:blip>
           <a:stretch>
             <a:fillRect/>
           </a:stretch>
         </p:blipFill>
         <p:spPr>
-          <a:xfrm rot="905751">
-            <a:off x="7428181" y="371720"/>
-            <a:ext cx="1124670" cy="1101589"/>
+          <a:xfrm>
+            <a:off x="3730120" y="4883748"/>
+            <a:ext cx="1444298" cy="1444298"/>
           </a:xfrm>
           <a:prstGeom prst="rect">
             <a:avLst/>
